--- a/source/pages/assets/images/source/static_overview.pptx
+++ b/source/pages/assets/images/source/static_overview.pptx
@@ -6739,7 +6739,7 @@
         </p:nvCxnSpPr>
         <p:spPr>
           <a:xfrm>
-            <a:off x="6178775" y="6949525"/>
+            <a:off x="6102575" y="6949525"/>
             <a:ext cx="8700" cy="603300"/>
           </a:xfrm>
           <a:prstGeom prst="straightConnector1">
